--- a/doc/project-presentations/project-intro-contrib.pptx
+++ b/doc/project-presentations/project-intro-contrib.pptx
@@ -5,15 +5,15 @@
     <p:sldMasterId id="2147483648" r:id="rId1"/>
   </p:sldMasterIdLst>
   <p:notesMasterIdLst>
-    <p:notesMasterId r:id="rId28"/>
+    <p:notesMasterId r:id="rId24"/>
   </p:notesMasterIdLst>
   <p:sldIdLst>
     <p:sldId id="273" r:id="rId2"/>
     <p:sldId id="284" r:id="rId3"/>
     <p:sldId id="274" r:id="rId4"/>
     <p:sldId id="259" r:id="rId5"/>
-    <p:sldId id="267" r:id="rId6"/>
-    <p:sldId id="268" r:id="rId7"/>
+    <p:sldId id="268" r:id="rId6"/>
+    <p:sldId id="267" r:id="rId7"/>
     <p:sldId id="269" r:id="rId8"/>
     <p:sldId id="270" r:id="rId9"/>
     <p:sldId id="271" r:id="rId10"/>
@@ -30,10 +30,6 @@
     <p:sldId id="277" r:id="rId21"/>
     <p:sldId id="278" r:id="rId22"/>
     <p:sldId id="279" r:id="rId23"/>
-    <p:sldId id="280" r:id="rId24"/>
-    <p:sldId id="281" r:id="rId25"/>
-    <p:sldId id="282" r:id="rId26"/>
-    <p:sldId id="283" r:id="rId27"/>
   </p:sldIdLst>
   <p:sldSz cx="12192000" cy="6858000"/>
   <p:notesSz cx="6858000" cy="9144000"/>
@@ -233,7 +229,7 @@
           <a:p>
             <a:fld id="{6EEBF8CB-E01A-4B2A-8EF2-39ADB248858D}" type="datetimeFigureOut">
               <a:rPr lang="en-US" smtClean="0"/>
-              <a:t>9/26/2018</a:t>
+              <a:t>9/27/2018</a:t>
             </a:fld>
             <a:endParaRPr lang="en-US"/>
           </a:p>
@@ -648,7 +644,7 @@
           <a:p>
             <a:fld id="{ADD8C1E5-9EA8-492A-8282-09B3A5ED4C84}" type="datetimeFigureOut">
               <a:rPr lang="en-US" smtClean="0"/>
-              <a:t>9/26/2018</a:t>
+              <a:t>9/27/2018</a:t>
             </a:fld>
             <a:endParaRPr lang="en-US"/>
           </a:p>
@@ -818,7 +814,7 @@
           <a:p>
             <a:fld id="{ADD8C1E5-9EA8-492A-8282-09B3A5ED4C84}" type="datetimeFigureOut">
               <a:rPr lang="en-US" smtClean="0"/>
-              <a:t>9/26/2018</a:t>
+              <a:t>9/27/2018</a:t>
             </a:fld>
             <a:endParaRPr lang="en-US"/>
           </a:p>
@@ -998,7 +994,7 @@
           <a:p>
             <a:fld id="{ADD8C1E5-9EA8-492A-8282-09B3A5ED4C84}" type="datetimeFigureOut">
               <a:rPr lang="en-US" smtClean="0"/>
-              <a:t>9/26/2018</a:t>
+              <a:t>9/27/2018</a:t>
             </a:fld>
             <a:endParaRPr lang="en-US"/>
           </a:p>
@@ -1221,7 +1217,7 @@
             <a:fld id="{ADD8C1E5-9EA8-492A-8282-09B3A5ED4C84}" type="datetimeFigureOut">
               <a:rPr lang="en-US" smtClean="0"/>
               <a:pPr/>
-              <a:t>9/26/2018</a:t>
+              <a:t>9/27/2018</a:t>
             </a:fld>
             <a:endParaRPr lang="en-US"/>
           </a:p>
@@ -1495,7 +1491,7 @@
             <a:fld id="{ADD8C1E5-9EA8-492A-8282-09B3A5ED4C84}" type="datetimeFigureOut">
               <a:rPr lang="en-US" smtClean="0"/>
               <a:pPr/>
-              <a:t>9/26/2018</a:t>
+              <a:t>9/27/2018</a:t>
             </a:fld>
             <a:endParaRPr lang="en-US"/>
           </a:p>
@@ -1833,7 +1829,7 @@
             <a:fld id="{ADD8C1E5-9EA8-492A-8282-09B3A5ED4C84}" type="datetimeFigureOut">
               <a:rPr lang="en-US" smtClean="0"/>
               <a:pPr/>
-              <a:t>9/26/2018</a:t>
+              <a:t>9/27/2018</a:t>
             </a:fld>
             <a:endParaRPr lang="en-US"/>
           </a:p>
@@ -2314,7 +2310,7 @@
             <a:fld id="{ADD8C1E5-9EA8-492A-8282-09B3A5ED4C84}" type="datetimeFigureOut">
               <a:rPr lang="en-US" smtClean="0"/>
               <a:pPr/>
-              <a:t>9/26/2018</a:t>
+              <a:t>9/27/2018</a:t>
             </a:fld>
             <a:endParaRPr lang="en-US"/>
           </a:p>
@@ -2466,7 +2462,7 @@
             <a:fld id="{ADD8C1E5-9EA8-492A-8282-09B3A5ED4C84}" type="datetimeFigureOut">
               <a:rPr lang="en-US" smtClean="0"/>
               <a:pPr/>
-              <a:t>9/26/2018</a:t>
+              <a:t>9/27/2018</a:t>
             </a:fld>
             <a:endParaRPr lang="en-US"/>
           </a:p>
@@ -2578,7 +2574,7 @@
           <a:p>
             <a:fld id="{ADD8C1E5-9EA8-492A-8282-09B3A5ED4C84}" type="datetimeFigureOut">
               <a:rPr lang="en-US" smtClean="0"/>
-              <a:t>9/26/2018</a:t>
+              <a:t>9/27/2018</a:t>
             </a:fld>
             <a:endParaRPr lang="en-US"/>
           </a:p>
@@ -2855,7 +2851,7 @@
           <a:p>
             <a:fld id="{ADD8C1E5-9EA8-492A-8282-09B3A5ED4C84}" type="datetimeFigureOut">
               <a:rPr lang="en-US" smtClean="0"/>
-              <a:t>9/26/2018</a:t>
+              <a:t>9/27/2018</a:t>
             </a:fld>
             <a:endParaRPr lang="en-US"/>
           </a:p>
@@ -3108,7 +3104,7 @@
           <a:p>
             <a:fld id="{ADD8C1E5-9EA8-492A-8282-09B3A5ED4C84}" type="datetimeFigureOut">
               <a:rPr lang="en-US" smtClean="0"/>
-              <a:t>9/26/2018</a:t>
+              <a:t>9/27/2018</a:t>
             </a:fld>
             <a:endParaRPr lang="en-US"/>
           </a:p>
@@ -3324,7 +3320,7 @@
           <a:p>
             <a:fld id="{ADD8C1E5-9EA8-492A-8282-09B3A5ED4C84}" type="datetimeFigureOut">
               <a:rPr lang="en-US" smtClean="0"/>
-              <a:t>9/26/2018</a:t>
+              <a:t>9/27/2018</a:t>
             </a:fld>
             <a:endParaRPr lang="en-US"/>
           </a:p>
@@ -3771,7 +3767,9 @@
         </p:nvSpPr>
         <p:spPr/>
         <p:txBody>
-          <a:bodyPr/>
+          <a:bodyPr>
+            <a:normAutofit fontScale="90000"/>
+          </a:bodyPr>
           <a:lstStyle/>
           <a:p>
             <a:r>
@@ -3783,7 +3781,18 @@
             </a:br>
             <a:r>
               <a:rPr lang="en-US" smtClean="0"/>
-              <a:t>Events Project</a:t>
+              <a:t/>
+            </a:r>
+            <a:br>
+              <a:rPr lang="en-US" smtClean="0"/>
+            </a:br>
+            <a:r>
+              <a:rPr lang="en-US" smtClean="0"/>
+              <a:t>Events </a:t>
+            </a:r>
+            <a:r>
+              <a:rPr lang="en-US" smtClean="0"/>
+              <a:t>Project</a:t>
             </a:r>
             <a:endParaRPr lang="en-US"/>
           </a:p>
@@ -3896,14 +3905,20 @@
           <a:p>
             <a:r>
               <a:rPr lang="en-US" smtClean="0"/>
-              <a:t>Large library of functions</a:t>
-            </a:r>
-          </a:p>
-          <a:p>
-            <a:r>
-              <a:rPr lang="en-US" smtClean="0"/>
-              <a:t>Not sure that you will need to use it but if you do it will only be a few of Ramda’s many functions</a:t>
-            </a:r>
+              <a:t>Large library of </a:t>
+            </a:r>
+            <a:r>
+              <a:rPr lang="en-US" smtClean="0"/>
+              <a:t>functions for working with lists/arrays and objects</a:t>
+            </a:r>
+            <a:endParaRPr lang="en-US" smtClean="0"/>
+          </a:p>
+          <a:p>
+            <a:r>
+              <a:rPr lang="en-US" smtClean="0"/>
+              <a:t>Evetns only users 6 or 7 Ramda functions</a:t>
+            </a:r>
+            <a:endParaRPr lang="en-US" smtClean="0"/>
           </a:p>
         </p:txBody>
       </p:sp>
@@ -6295,15 +6310,7 @@
               <a:pPr algn="ctr"/>
               <a:r>
                 <a:rPr lang="en-US" smtClean="0"/>
-                <a:t>&lt;</a:t>
-              </a:r>
-              <a:r>
-                <a:rPr lang="en-US" smtClean="0"/>
-                <a:t>AppDrawer </a:t>
-              </a:r>
-              <a:r>
-                <a:rPr lang="en-US" smtClean="0"/>
-                <a:t>/&gt;</a:t>
+                <a:t>&lt;AppDrawer /&gt;</a:t>
               </a:r>
               <a:endParaRPr lang="en-US"/>
             </a:p>
@@ -7601,410 +7608,6 @@
     <p:extLst>
       <p:ext uri="{BB962C8B-B14F-4D97-AF65-F5344CB8AC3E}">
         <p14:creationId xmlns:p14="http://schemas.microsoft.com/office/powerpoint/2010/main" val="3308892328"/>
-      </p:ext>
-    </p:extLst>
-  </p:cSld>
-  <p:clrMapOvr>
-    <a:masterClrMapping/>
-  </p:clrMapOvr>
-</p:sld>
-</file>
-
-<file path=ppt/slides/slide23.xml><?xml version="1.0" encoding="utf-8"?>
-<p:sld xmlns:a="http://schemas.openxmlformats.org/drawingml/2006/main" xmlns:r="http://schemas.openxmlformats.org/officeDocument/2006/relationships" xmlns:p="http://schemas.openxmlformats.org/presentationml/2006/main">
-  <p:cSld>
-    <p:spTree>
-      <p:nvGrpSpPr>
-        <p:cNvPr id="1" name=""/>
-        <p:cNvGrpSpPr/>
-        <p:nvPr/>
-      </p:nvGrpSpPr>
-      <p:grpSpPr>
-        <a:xfrm>
-          <a:off x="0" y="0"/>
-          <a:ext cx="0" cy="0"/>
-          <a:chOff x="0" y="0"/>
-          <a:chExt cx="0" cy="0"/>
-        </a:xfrm>
-      </p:grpSpPr>
-      <p:sp>
-        <p:nvSpPr>
-          <p:cNvPr id="2" name="Title 1"/>
-          <p:cNvSpPr>
-            <a:spLocks noGrp="1"/>
-          </p:cNvSpPr>
-          <p:nvPr>
-            <p:ph type="title"/>
-          </p:nvPr>
-        </p:nvSpPr>
-        <p:spPr/>
-        <p:txBody>
-          <a:bodyPr/>
-          <a:lstStyle/>
-          <a:p>
-            <a:r>
-              <a:rPr lang="en-US" smtClean="0"/>
-              <a:t>Get to know your machines</a:t>
-            </a:r>
-            <a:endParaRPr lang="en-US"/>
-          </a:p>
-        </p:txBody>
-      </p:sp>
-      <p:sp>
-        <p:nvSpPr>
-          <p:cNvPr id="3" name="Text Placeholder 2"/>
-          <p:cNvSpPr>
-            <a:spLocks noGrp="1"/>
-          </p:cNvSpPr>
-          <p:nvPr>
-            <p:ph type="body" idx="1"/>
-          </p:nvPr>
-        </p:nvSpPr>
-        <p:spPr/>
-        <p:txBody>
-          <a:bodyPr/>
-          <a:lstStyle/>
-          <a:p>
-            <a:endParaRPr lang="en-US"/>
-          </a:p>
-        </p:txBody>
-      </p:sp>
-    </p:spTree>
-    <p:extLst>
-      <p:ext uri="{BB962C8B-B14F-4D97-AF65-F5344CB8AC3E}">
-        <p14:creationId xmlns:p14="http://schemas.microsoft.com/office/powerpoint/2010/main" val="1721410565"/>
-      </p:ext>
-    </p:extLst>
-  </p:cSld>
-  <p:clrMapOvr>
-    <a:masterClrMapping/>
-  </p:clrMapOvr>
-</p:sld>
-</file>
-
-<file path=ppt/slides/slide24.xml><?xml version="1.0" encoding="utf-8"?>
-<p:sld xmlns:a="http://schemas.openxmlformats.org/drawingml/2006/main" xmlns:r="http://schemas.openxmlformats.org/officeDocument/2006/relationships" xmlns:p="http://schemas.openxmlformats.org/presentationml/2006/main">
-  <p:cSld>
-    <p:spTree>
-      <p:nvGrpSpPr>
-        <p:cNvPr id="1" name=""/>
-        <p:cNvGrpSpPr/>
-        <p:nvPr/>
-      </p:nvGrpSpPr>
-      <p:grpSpPr>
-        <a:xfrm>
-          <a:off x="0" y="0"/>
-          <a:ext cx="0" cy="0"/>
-          <a:chOff x="0" y="0"/>
-          <a:chExt cx="0" cy="0"/>
-        </a:xfrm>
-      </p:grpSpPr>
-      <p:sp>
-        <p:nvSpPr>
-          <p:cNvPr id="2" name="Title 1"/>
-          <p:cNvSpPr>
-            <a:spLocks noGrp="1"/>
-          </p:cNvSpPr>
-          <p:nvPr>
-            <p:ph type="title"/>
-          </p:nvPr>
-        </p:nvSpPr>
-        <p:spPr/>
-        <p:txBody>
-          <a:bodyPr/>
-          <a:lstStyle/>
-          <a:p>
-            <a:r>
-              <a:rPr lang="en-US" smtClean="0"/>
-              <a:t>Do you know what you don’t know?</a:t>
-            </a:r>
-            <a:endParaRPr lang="en-US"/>
-          </a:p>
-        </p:txBody>
-      </p:sp>
-      <p:sp>
-        <p:nvSpPr>
-          <p:cNvPr id="3" name="Text Placeholder 2"/>
-          <p:cNvSpPr>
-            <a:spLocks noGrp="1"/>
-          </p:cNvSpPr>
-          <p:nvPr>
-            <p:ph type="body" idx="1"/>
-          </p:nvPr>
-        </p:nvSpPr>
-        <p:spPr/>
-        <p:txBody>
-          <a:bodyPr>
-            <a:normAutofit fontScale="92500" lnSpcReduction="20000"/>
-          </a:bodyPr>
-          <a:lstStyle/>
-          <a:p>
-            <a:r>
-              <a:rPr lang="en-US" smtClean="0"/>
-              <a:t>You may discover from this project things you had never thought about</a:t>
-            </a:r>
-          </a:p>
-          <a:p>
-            <a:r>
-              <a:rPr lang="en-US" smtClean="0"/>
-              <a:t>It may get overwhealming </a:t>
-            </a:r>
-          </a:p>
-          <a:p>
-            <a:r>
-              <a:rPr lang="en-US" smtClean="0"/>
-              <a:t>They are both good things</a:t>
-            </a:r>
-          </a:p>
-          <a:p>
-            <a:r>
-              <a:rPr lang="en-US" smtClean="0"/>
-              <a:t>Focus on getting one discrete thing done at a time</a:t>
-            </a:r>
-          </a:p>
-          <a:p>
-            <a:endParaRPr lang="en-US"/>
-          </a:p>
-        </p:txBody>
-      </p:sp>
-    </p:spTree>
-    <p:extLst>
-      <p:ext uri="{BB962C8B-B14F-4D97-AF65-F5344CB8AC3E}">
-        <p14:creationId xmlns:p14="http://schemas.microsoft.com/office/powerpoint/2010/main" val="1438919333"/>
-      </p:ext>
-    </p:extLst>
-  </p:cSld>
-  <p:clrMapOvr>
-    <a:masterClrMapping/>
-  </p:clrMapOvr>
-</p:sld>
-</file>
-
-<file path=ppt/slides/slide25.xml><?xml version="1.0" encoding="utf-8"?>
-<p:sld xmlns:a="http://schemas.openxmlformats.org/drawingml/2006/main" xmlns:r="http://schemas.openxmlformats.org/officeDocument/2006/relationships" xmlns:p="http://schemas.openxmlformats.org/presentationml/2006/main">
-  <p:cSld>
-    <p:spTree>
-      <p:nvGrpSpPr>
-        <p:cNvPr id="1" name=""/>
-        <p:cNvGrpSpPr/>
-        <p:nvPr/>
-      </p:nvGrpSpPr>
-      <p:grpSpPr>
-        <a:xfrm>
-          <a:off x="0" y="0"/>
-          <a:ext cx="0" cy="0"/>
-          <a:chOff x="0" y="0"/>
-          <a:chExt cx="0" cy="0"/>
-        </a:xfrm>
-      </p:grpSpPr>
-      <p:sp>
-        <p:nvSpPr>
-          <p:cNvPr id="2" name="Title 1"/>
-          <p:cNvSpPr>
-            <a:spLocks noGrp="1"/>
-          </p:cNvSpPr>
-          <p:nvPr>
-            <p:ph type="title"/>
-          </p:nvPr>
-        </p:nvSpPr>
-        <p:spPr/>
-        <p:txBody>
-          <a:bodyPr/>
-          <a:lstStyle/>
-          <a:p>
-            <a:r>
-              <a:rPr lang="en-US" smtClean="0"/>
-              <a:t>It isn’t perfect (works, long way)</a:t>
-            </a:r>
-            <a:endParaRPr lang="en-US"/>
-          </a:p>
-        </p:txBody>
-      </p:sp>
-      <p:sp>
-        <p:nvSpPr>
-          <p:cNvPr id="3" name="Text Placeholder 2"/>
-          <p:cNvSpPr>
-            <a:spLocks noGrp="1"/>
-          </p:cNvSpPr>
-          <p:nvPr>
-            <p:ph type="body" idx="1"/>
-          </p:nvPr>
-        </p:nvSpPr>
-        <p:spPr/>
-        <p:txBody>
-          <a:bodyPr/>
-          <a:lstStyle/>
-          <a:p>
-            <a:endParaRPr lang="en-US"/>
-          </a:p>
-        </p:txBody>
-      </p:sp>
-    </p:spTree>
-    <p:extLst>
-      <p:ext uri="{BB962C8B-B14F-4D97-AF65-F5344CB8AC3E}">
-        <p14:creationId xmlns:p14="http://schemas.microsoft.com/office/powerpoint/2010/main" val="1644224446"/>
-      </p:ext>
-    </p:extLst>
-  </p:cSld>
-  <p:clrMapOvr>
-    <a:masterClrMapping/>
-  </p:clrMapOvr>
-</p:sld>
-</file>
-
-<file path=ppt/slides/slide26.xml><?xml version="1.0" encoding="utf-8"?>
-<p:sld xmlns:a="http://schemas.openxmlformats.org/drawingml/2006/main" xmlns:r="http://schemas.openxmlformats.org/officeDocument/2006/relationships" xmlns:p="http://schemas.openxmlformats.org/presentationml/2006/main">
-  <p:cSld>
-    <p:spTree>
-      <p:nvGrpSpPr>
-        <p:cNvPr id="1" name=""/>
-        <p:cNvGrpSpPr/>
-        <p:nvPr/>
-      </p:nvGrpSpPr>
-      <p:grpSpPr>
-        <a:xfrm>
-          <a:off x="0" y="0"/>
-          <a:ext cx="0" cy="0"/>
-          <a:chOff x="0" y="0"/>
-          <a:chExt cx="0" cy="0"/>
-        </a:xfrm>
-      </p:grpSpPr>
-      <p:sp>
-        <p:nvSpPr>
-          <p:cNvPr id="2" name="Title 1"/>
-          <p:cNvSpPr>
-            <a:spLocks noGrp="1"/>
-          </p:cNvSpPr>
-          <p:nvPr>
-            <p:ph type="title"/>
-          </p:nvPr>
-        </p:nvSpPr>
-        <p:spPr>
-          <a:xfrm>
-            <a:off x="831850" y="413375"/>
-            <a:ext cx="10515600" cy="1183932"/>
-          </a:xfrm>
-        </p:spPr>
-        <p:txBody>
-          <a:bodyPr/>
-          <a:lstStyle/>
-          <a:p>
-            <a:r>
-              <a:rPr lang="en-US" smtClean="0"/>
-              <a:t>More Stuff</a:t>
-            </a:r>
-            <a:endParaRPr lang="en-US"/>
-          </a:p>
-        </p:txBody>
-      </p:sp>
-      <p:sp>
-        <p:nvSpPr>
-          <p:cNvPr id="3" name="Text Placeholder 2"/>
-          <p:cNvSpPr>
-            <a:spLocks noGrp="1"/>
-          </p:cNvSpPr>
-          <p:nvPr>
-            <p:ph type="body" idx="1"/>
-          </p:nvPr>
-        </p:nvSpPr>
-        <p:spPr>
-          <a:xfrm>
-            <a:off x="831850" y="2436573"/>
-            <a:ext cx="10515600" cy="3512814"/>
-          </a:xfrm>
-        </p:spPr>
-        <p:txBody>
-          <a:bodyPr>
-            <a:normAutofit/>
-          </a:bodyPr>
-          <a:lstStyle/>
-          <a:p>
-            <a:pPr marL="342900" indent="-342900">
-              <a:buFontTx/>
-              <a:buChar char="-"/>
-            </a:pPr>
-            <a:r>
-              <a:rPr lang="en-US"/>
-              <a:t>Style System ½ hour</a:t>
-            </a:r>
-          </a:p>
-          <a:p>
-            <a:pPr marL="342900" indent="-342900">
-              <a:buFontTx/>
-              <a:buChar char="-"/>
-            </a:pPr>
-            <a:r>
-              <a:rPr lang="en-US" smtClean="0"/>
-              <a:t>GitHub/ZenHub – what needs to be done</a:t>
-            </a:r>
-          </a:p>
-          <a:p>
-            <a:pPr marL="800100" lvl="1" indent="-342900">
-              <a:buFontTx/>
-              <a:buChar char="-"/>
-            </a:pPr>
-            <a:r>
-              <a:rPr lang="en-US" smtClean="0"/>
-              <a:t>Pick issues </a:t>
-            </a:r>
-          </a:p>
-          <a:p>
-            <a:pPr marL="800100" lvl="1" indent="-342900">
-              <a:buFontTx/>
-              <a:buChar char="-"/>
-            </a:pPr>
-            <a:r>
-              <a:rPr lang="en-US" smtClean="0"/>
-              <a:t>Show Issue log</a:t>
-            </a:r>
-          </a:p>
-          <a:p>
-            <a:pPr marL="800100" lvl="1" indent="-342900">
-              <a:buFontTx/>
-              <a:buChar char="-"/>
-            </a:pPr>
-            <a:r>
-              <a:rPr lang="en-US" smtClean="0"/>
-              <a:t>Explain labels</a:t>
-            </a:r>
-          </a:p>
-          <a:p>
-            <a:pPr marL="342900" indent="-342900">
-              <a:buFontTx/>
-              <a:buChar char="-"/>
-            </a:pPr>
-            <a:r>
-              <a:rPr lang="en-US" smtClean="0"/>
-              <a:t>Demo styling stuff</a:t>
-            </a:r>
-          </a:p>
-          <a:p>
-            <a:pPr marL="342900" indent="-342900">
-              <a:buFontTx/>
-              <a:buChar char="-"/>
-            </a:pPr>
-            <a:r>
-              <a:rPr lang="en-US" smtClean="0"/>
-              <a:t>Forking- Hema</a:t>
-            </a:r>
-          </a:p>
-          <a:p>
-            <a:pPr marL="342900" indent="-342900">
-              <a:buFontTx/>
-              <a:buChar char="-"/>
-            </a:pPr>
-            <a:r>
-              <a:rPr lang="en-US" smtClean="0"/>
-              <a:t>Chaos</a:t>
-            </a:r>
-            <a:endParaRPr lang="en-US"/>
-          </a:p>
-        </p:txBody>
-      </p:sp>
-    </p:spTree>
-    <p:extLst>
-      <p:ext uri="{BB962C8B-B14F-4D97-AF65-F5344CB8AC3E}">
-        <p14:creationId xmlns:p14="http://schemas.microsoft.com/office/powerpoint/2010/main" val="306566717"/>
       </p:ext>
     </p:extLst>
   </p:cSld>
@@ -8670,6 +8273,383 @@
           <a:p>
             <a:r>
               <a:rPr lang="en-US" smtClean="0"/>
+              <a:t>Material Design</a:t>
+            </a:r>
+            <a:endParaRPr lang="en-US"/>
+          </a:p>
+        </p:txBody>
+      </p:sp>
+      <p:pic>
+        <p:nvPicPr>
+          <p:cNvPr id="3" name="Content Placeholder 2"/>
+          <p:cNvPicPr>
+            <a:picLocks noGrp="1" noChangeAspect="1"/>
+          </p:cNvPicPr>
+          <p:nvPr>
+            <p:ph sz="half" idx="1"/>
+          </p:nvPr>
+        </p:nvPicPr>
+        <p:blipFill>
+          <a:blip r:embed="rId2" cstate="print">
+            <a:extLst>
+              <a:ext uri="{28A0092B-C50C-407E-A947-70E740481C1C}">
+                <a14:useLocalDpi xmlns:a14="http://schemas.microsoft.com/office/drawing/2010/main" val="0"/>
+              </a:ext>
+            </a:extLst>
+          </a:blip>
+          <a:stretch>
+            <a:fillRect/>
+          </a:stretch>
+        </p:blipFill>
+        <p:spPr>
+          <a:xfrm>
+            <a:off x="838200" y="1845275"/>
+            <a:ext cx="5181600" cy="3455500"/>
+          </a:xfrm>
+        </p:spPr>
+      </p:pic>
+      <p:pic>
+        <p:nvPicPr>
+          <p:cNvPr id="5" name="Content Placeholder 4"/>
+          <p:cNvPicPr>
+            <a:picLocks noGrp="1" noChangeAspect="1"/>
+          </p:cNvPicPr>
+          <p:nvPr>
+            <p:ph sz="half" idx="2"/>
+          </p:nvPr>
+        </p:nvPicPr>
+        <p:blipFill>
+          <a:blip r:embed="rId3" cstate="print">
+            <a:extLst>
+              <a:ext uri="{28A0092B-C50C-407E-A947-70E740481C1C}">
+                <a14:useLocalDpi xmlns:a14="http://schemas.microsoft.com/office/drawing/2010/main" val="0"/>
+              </a:ext>
+            </a:extLst>
+          </a:blip>
+          <a:stretch>
+            <a:fillRect/>
+          </a:stretch>
+        </p:blipFill>
+        <p:spPr>
+          <a:xfrm>
+            <a:off x="9468090" y="365125"/>
+            <a:ext cx="868323" cy="868323"/>
+          </a:xfrm>
+        </p:spPr>
+      </p:pic>
+      <p:sp>
+        <p:nvSpPr>
+          <p:cNvPr id="8" name="Content Placeholder 6"/>
+          <p:cNvSpPr txBox="1">
+            <a:spLocks/>
+          </p:cNvSpPr>
+          <p:nvPr/>
+        </p:nvSpPr>
+        <p:spPr>
+          <a:xfrm>
+            <a:off x="6701742" y="1825625"/>
+            <a:ext cx="4652058" cy="4351338"/>
+          </a:xfrm>
+          <a:prstGeom prst="rect">
+            <a:avLst/>
+          </a:prstGeom>
+        </p:spPr>
+        <p:txBody>
+          <a:bodyPr vert="horz" lIns="91440" tIns="45720" rIns="91440" bIns="45720" rtlCol="0">
+            <a:normAutofit/>
+          </a:bodyPr>
+          <a:lstStyle>
+            <a:lvl1pPr marL="228600" indent="-228600" algn="l" defTabSz="914400" rtl="0" eaLnBrk="1" latinLnBrk="0" hangingPunct="1">
+              <a:lnSpc>
+                <a:spcPct val="90000"/>
+              </a:lnSpc>
+              <a:spcBef>
+                <a:spcPts val="1000"/>
+              </a:spcBef>
+              <a:buFont typeface="Arial" panose="020B0604020202020204" pitchFamily="34" charset="0"/>
+              <a:buChar char="•"/>
+              <a:defRPr sz="2800" kern="1200">
+                <a:solidFill>
+                  <a:schemeClr val="bg1"/>
+                </a:solidFill>
+                <a:latin typeface="+mn-lt"/>
+                <a:ea typeface="+mn-ea"/>
+                <a:cs typeface="+mn-cs"/>
+              </a:defRPr>
+            </a:lvl1pPr>
+            <a:lvl2pPr marL="685800" indent="-228600" algn="l" defTabSz="914400" rtl="0" eaLnBrk="1" latinLnBrk="0" hangingPunct="1">
+              <a:lnSpc>
+                <a:spcPct val="90000"/>
+              </a:lnSpc>
+              <a:spcBef>
+                <a:spcPts val="500"/>
+              </a:spcBef>
+              <a:buFont typeface="Arial" panose="020B0604020202020204" pitchFamily="34" charset="0"/>
+              <a:buChar char="•"/>
+              <a:defRPr sz="2400" kern="1200">
+                <a:solidFill>
+                  <a:schemeClr val="bg1"/>
+                </a:solidFill>
+                <a:latin typeface="+mn-lt"/>
+                <a:ea typeface="+mn-ea"/>
+                <a:cs typeface="+mn-cs"/>
+              </a:defRPr>
+            </a:lvl2pPr>
+            <a:lvl3pPr marL="1143000" indent="-228600" algn="l" defTabSz="914400" rtl="0" eaLnBrk="1" latinLnBrk="0" hangingPunct="1">
+              <a:lnSpc>
+                <a:spcPct val="90000"/>
+              </a:lnSpc>
+              <a:spcBef>
+                <a:spcPts val="500"/>
+              </a:spcBef>
+              <a:buFont typeface="Arial" panose="020B0604020202020204" pitchFamily="34" charset="0"/>
+              <a:buChar char="•"/>
+              <a:defRPr sz="2000" kern="1200">
+                <a:solidFill>
+                  <a:schemeClr val="bg1"/>
+                </a:solidFill>
+                <a:latin typeface="+mn-lt"/>
+                <a:ea typeface="+mn-ea"/>
+                <a:cs typeface="+mn-cs"/>
+              </a:defRPr>
+            </a:lvl3pPr>
+            <a:lvl4pPr marL="1600200" indent="-228600" algn="l" defTabSz="914400" rtl="0" eaLnBrk="1" latinLnBrk="0" hangingPunct="1">
+              <a:lnSpc>
+                <a:spcPct val="90000"/>
+              </a:lnSpc>
+              <a:spcBef>
+                <a:spcPts val="500"/>
+              </a:spcBef>
+              <a:buFont typeface="Arial" panose="020B0604020202020204" pitchFamily="34" charset="0"/>
+              <a:buChar char="•"/>
+              <a:defRPr sz="1800" kern="1200">
+                <a:solidFill>
+                  <a:schemeClr val="bg1"/>
+                </a:solidFill>
+                <a:latin typeface="+mn-lt"/>
+                <a:ea typeface="+mn-ea"/>
+                <a:cs typeface="+mn-cs"/>
+              </a:defRPr>
+            </a:lvl4pPr>
+            <a:lvl5pPr marL="2057400" indent="-228600" algn="l" defTabSz="914400" rtl="0" eaLnBrk="1" latinLnBrk="0" hangingPunct="1">
+              <a:lnSpc>
+                <a:spcPct val="90000"/>
+              </a:lnSpc>
+              <a:spcBef>
+                <a:spcPts val="500"/>
+              </a:spcBef>
+              <a:buFont typeface="Arial" panose="020B0604020202020204" pitchFamily="34" charset="0"/>
+              <a:buChar char="•"/>
+              <a:defRPr sz="1800" kern="1200">
+                <a:solidFill>
+                  <a:schemeClr val="bg1"/>
+                </a:solidFill>
+                <a:latin typeface="+mn-lt"/>
+                <a:ea typeface="+mn-ea"/>
+                <a:cs typeface="+mn-cs"/>
+              </a:defRPr>
+            </a:lvl5pPr>
+            <a:lvl6pPr marL="2514600" indent="-228600" algn="l" defTabSz="914400" rtl="0" eaLnBrk="1" latinLnBrk="0" hangingPunct="1">
+              <a:lnSpc>
+                <a:spcPct val="90000"/>
+              </a:lnSpc>
+              <a:spcBef>
+                <a:spcPts val="500"/>
+              </a:spcBef>
+              <a:buFont typeface="Arial" panose="020B0604020202020204" pitchFamily="34" charset="0"/>
+              <a:buChar char="•"/>
+              <a:defRPr sz="1800" kern="1200">
+                <a:solidFill>
+                  <a:schemeClr val="tx1"/>
+                </a:solidFill>
+                <a:latin typeface="+mn-lt"/>
+                <a:ea typeface="+mn-ea"/>
+                <a:cs typeface="+mn-cs"/>
+              </a:defRPr>
+            </a:lvl6pPr>
+            <a:lvl7pPr marL="2971800" indent="-228600" algn="l" defTabSz="914400" rtl="0" eaLnBrk="1" latinLnBrk="0" hangingPunct="1">
+              <a:lnSpc>
+                <a:spcPct val="90000"/>
+              </a:lnSpc>
+              <a:spcBef>
+                <a:spcPts val="500"/>
+              </a:spcBef>
+              <a:buFont typeface="Arial" panose="020B0604020202020204" pitchFamily="34" charset="0"/>
+              <a:buChar char="•"/>
+              <a:defRPr sz="1800" kern="1200">
+                <a:solidFill>
+                  <a:schemeClr val="tx1"/>
+                </a:solidFill>
+                <a:latin typeface="+mn-lt"/>
+                <a:ea typeface="+mn-ea"/>
+                <a:cs typeface="+mn-cs"/>
+              </a:defRPr>
+            </a:lvl7pPr>
+            <a:lvl8pPr marL="3429000" indent="-228600" algn="l" defTabSz="914400" rtl="0" eaLnBrk="1" latinLnBrk="0" hangingPunct="1">
+              <a:lnSpc>
+                <a:spcPct val="90000"/>
+              </a:lnSpc>
+              <a:spcBef>
+                <a:spcPts val="500"/>
+              </a:spcBef>
+              <a:buFont typeface="Arial" panose="020B0604020202020204" pitchFamily="34" charset="0"/>
+              <a:buChar char="•"/>
+              <a:defRPr sz="1800" kern="1200">
+                <a:solidFill>
+                  <a:schemeClr val="tx1"/>
+                </a:solidFill>
+                <a:latin typeface="+mn-lt"/>
+                <a:ea typeface="+mn-ea"/>
+                <a:cs typeface="+mn-cs"/>
+              </a:defRPr>
+            </a:lvl8pPr>
+            <a:lvl9pPr marL="3886200" indent="-228600" algn="l" defTabSz="914400" rtl="0" eaLnBrk="1" latinLnBrk="0" hangingPunct="1">
+              <a:lnSpc>
+                <a:spcPct val="90000"/>
+              </a:lnSpc>
+              <a:spcBef>
+                <a:spcPts val="500"/>
+              </a:spcBef>
+              <a:buFont typeface="Arial" panose="020B0604020202020204" pitchFamily="34" charset="0"/>
+              <a:buChar char="•"/>
+              <a:defRPr sz="1800" kern="1200">
+                <a:solidFill>
+                  <a:schemeClr val="tx1"/>
+                </a:solidFill>
+                <a:latin typeface="+mn-lt"/>
+                <a:ea typeface="+mn-ea"/>
+                <a:cs typeface="+mn-cs"/>
+              </a:defRPr>
+            </a:lvl9pPr>
+          </a:lstStyle>
+          <a:p>
+            <a:pPr marL="0" indent="0">
+              <a:buNone/>
+            </a:pPr>
+            <a:r>
+              <a:rPr lang="en-US" smtClean="0">
+                <a:solidFill>
+                  <a:srgbClr val="00B0F0"/>
+                </a:solidFill>
+              </a:rPr>
+              <a:t>A “design language”</a:t>
+            </a:r>
+          </a:p>
+          <a:p>
+            <a:pPr marL="0" indent="0">
+              <a:buNone/>
+            </a:pPr>
+            <a:endParaRPr lang="en-US" sz="1000" i="1" smtClean="0"/>
+          </a:p>
+          <a:p>
+            <a:pPr marL="0" indent="0">
+              <a:buNone/>
+            </a:pPr>
+            <a:r>
+              <a:rPr lang="en-US" i="1" smtClean="0"/>
+              <a:t>A </a:t>
+            </a:r>
+            <a:r>
+              <a:rPr lang="en-US" i="1">
+                <a:solidFill>
+                  <a:srgbClr val="FFC000"/>
+                </a:solidFill>
+              </a:rPr>
+              <a:t>design language</a:t>
+            </a:r>
+            <a:r>
+              <a:rPr lang="en-US" i="1"/>
+              <a:t> or </a:t>
+            </a:r>
+            <a:r>
+              <a:rPr lang="en-US" i="1">
+                <a:solidFill>
+                  <a:srgbClr val="FFC000"/>
+                </a:solidFill>
+              </a:rPr>
+              <a:t>design vocabulary</a:t>
+            </a:r>
+            <a:r>
+              <a:rPr lang="en-US" i="1"/>
+              <a:t> is an overarching scheme or style that guides the design of a complement of products or architectural settings</a:t>
+            </a:r>
+            <a:r>
+              <a:rPr lang="en-US" i="1" smtClean="0"/>
+              <a:t>.</a:t>
+            </a:r>
+          </a:p>
+          <a:p>
+            <a:pPr>
+              <a:buFontTx/>
+              <a:buChar char="-"/>
+            </a:pPr>
+            <a:r>
+              <a:rPr lang="en-US" i="1" smtClean="0"/>
+              <a:t>Wikipedia</a:t>
+            </a:r>
+          </a:p>
+          <a:p>
+            <a:pPr marL="0" indent="0">
+              <a:buNone/>
+            </a:pPr>
+            <a:endParaRPr lang="en-US" i="1"/>
+          </a:p>
+        </p:txBody>
+      </p:sp>
+    </p:spTree>
+    <p:extLst>
+      <p:ext uri="{BB962C8B-B14F-4D97-AF65-F5344CB8AC3E}">
+        <p14:creationId xmlns:p14="http://schemas.microsoft.com/office/powerpoint/2010/main" val="1653167014"/>
+      </p:ext>
+    </p:extLst>
+  </p:cSld>
+  <p:clrMapOvr>
+    <a:masterClrMapping/>
+  </p:clrMapOvr>
+  <p:timing>
+    <p:tnLst>
+      <p:par>
+        <p:cTn id="1" dur="indefinite" restart="never" nodeType="tmRoot"/>
+      </p:par>
+    </p:tnLst>
+  </p:timing>
+</p:sld>
+</file>
+
+<file path=ppt/slides/slide6.xml><?xml version="1.0" encoding="utf-8"?>
+<p:sld xmlns:a="http://schemas.openxmlformats.org/drawingml/2006/main" xmlns:r="http://schemas.openxmlformats.org/officeDocument/2006/relationships" xmlns:p="http://schemas.openxmlformats.org/presentationml/2006/main">
+  <p:cSld>
+    <p:spTree>
+      <p:nvGrpSpPr>
+        <p:cNvPr id="1" name=""/>
+        <p:cNvGrpSpPr/>
+        <p:nvPr/>
+      </p:nvGrpSpPr>
+      <p:grpSpPr>
+        <a:xfrm>
+          <a:off x="0" y="0"/>
+          <a:ext cx="0" cy="0"/>
+          <a:chOff x="0" y="0"/>
+          <a:chExt cx="0" cy="0"/>
+        </a:xfrm>
+      </p:grpSpPr>
+      <p:sp>
+        <p:nvSpPr>
+          <p:cNvPr id="2" name="Title 1"/>
+          <p:cNvSpPr>
+            <a:spLocks noGrp="1"/>
+          </p:cNvSpPr>
+          <p:nvPr>
+            <p:ph type="title"/>
+          </p:nvPr>
+        </p:nvSpPr>
+        <p:spPr/>
+        <p:txBody>
+          <a:bodyPr/>
+          <a:lstStyle/>
+          <a:p>
+            <a:r>
+              <a:rPr lang="en-US" smtClean="0"/>
               <a:t>Material UI</a:t>
             </a:r>
             <a:endParaRPr lang="en-US"/>
@@ -8689,7 +8669,7 @@
         <p:spPr/>
         <p:txBody>
           <a:bodyPr>
-            <a:normAutofit lnSpcReduction="10000"/>
+            <a:normAutofit fontScale="92500" lnSpcReduction="10000"/>
           </a:bodyPr>
           <a:lstStyle/>
           <a:p>
@@ -8700,18 +8680,26 @@
           </a:p>
           <a:p>
             <a:r>
-              <a:rPr lang="en-US"/>
-              <a:t>S</a:t>
-            </a:r>
-            <a:r>
-              <a:rPr lang="en-US" smtClean="0"/>
-              <a:t>ave you a lot of work</a:t>
-            </a:r>
-          </a:p>
-          <a:p>
-            <a:r>
-              <a:rPr lang="en-US" smtClean="0"/>
-              <a:t>Excellent grid component</a:t>
+              <a:rPr lang="en-US" smtClean="0"/>
+              <a:t>Saves </a:t>
+            </a:r>
+            <a:r>
+              <a:rPr lang="en-US" smtClean="0"/>
+              <a:t>you a lot of work</a:t>
+            </a:r>
+          </a:p>
+          <a:p>
+            <a:r>
+              <a:rPr lang="en-US" smtClean="0"/>
+              <a:t>Excellent </a:t>
+            </a:r>
+            <a:r>
+              <a:rPr lang="en-US" smtClean="0"/>
+              <a:t>layout grid </a:t>
+            </a:r>
+            <a:r>
+              <a:rPr lang="en-US" smtClean="0"/>
+              <a:t>component</a:t>
             </a:r>
           </a:p>
           <a:p>
@@ -8723,16 +8711,36 @@
           <a:p>
             <a:r>
               <a:rPr lang="en-US" smtClean="0"/>
-              <a:t>Are highly customizable</a:t>
-            </a:r>
-          </a:p>
-          <a:p>
-            <a:r>
-              <a:rPr lang="en-US" smtClean="0"/>
-              <a:t>Version 1.0 on 17-May-18</a:t>
-            </a:r>
-          </a:p>
-          <a:p>
+              <a:t>Is</a:t>
+            </a:r>
+            <a:r>
+              <a:rPr lang="en-US" smtClean="0"/>
+              <a:t> </a:t>
+            </a:r>
+            <a:r>
+              <a:rPr lang="en-US" smtClean="0"/>
+              <a:t>highly customizable</a:t>
+            </a:r>
+          </a:p>
+          <a:p>
+            <a:r>
+              <a:rPr lang="en-US" smtClean="0"/>
+              <a:t>New</a:t>
+            </a:r>
+          </a:p>
+          <a:p>
+            <a:pPr lvl="1"/>
+            <a:r>
+              <a:rPr lang="en-US" smtClean="0"/>
+              <a:t>Version </a:t>
+            </a:r>
+            <a:r>
+              <a:rPr lang="en-US" smtClean="0"/>
+              <a:t>1.0 on 17-May-18</a:t>
+            </a:r>
+          </a:p>
+          <a:p>
+            <a:pPr lvl="1"/>
             <a:r>
               <a:rPr lang="en-US" smtClean="0"/>
               <a:t>Currently v3.1.1 and evolving fast</a:t>
@@ -8797,383 +8805,6 @@
 </p:sld>
 </file>
 
-<file path=ppt/slides/slide6.xml><?xml version="1.0" encoding="utf-8"?>
-<p:sld xmlns:a="http://schemas.openxmlformats.org/drawingml/2006/main" xmlns:r="http://schemas.openxmlformats.org/officeDocument/2006/relationships" xmlns:p="http://schemas.openxmlformats.org/presentationml/2006/main">
-  <p:cSld>
-    <p:spTree>
-      <p:nvGrpSpPr>
-        <p:cNvPr id="1" name=""/>
-        <p:cNvGrpSpPr/>
-        <p:nvPr/>
-      </p:nvGrpSpPr>
-      <p:grpSpPr>
-        <a:xfrm>
-          <a:off x="0" y="0"/>
-          <a:ext cx="0" cy="0"/>
-          <a:chOff x="0" y="0"/>
-          <a:chExt cx="0" cy="0"/>
-        </a:xfrm>
-      </p:grpSpPr>
-      <p:sp>
-        <p:nvSpPr>
-          <p:cNvPr id="2" name="Title 1"/>
-          <p:cNvSpPr>
-            <a:spLocks noGrp="1"/>
-          </p:cNvSpPr>
-          <p:nvPr>
-            <p:ph type="title"/>
-          </p:nvPr>
-        </p:nvSpPr>
-        <p:spPr/>
-        <p:txBody>
-          <a:bodyPr/>
-          <a:lstStyle/>
-          <a:p>
-            <a:r>
-              <a:rPr lang="en-US" smtClean="0"/>
-              <a:t>Material Design</a:t>
-            </a:r>
-            <a:endParaRPr lang="en-US"/>
-          </a:p>
-        </p:txBody>
-      </p:sp>
-      <p:pic>
-        <p:nvPicPr>
-          <p:cNvPr id="3" name="Content Placeholder 2"/>
-          <p:cNvPicPr>
-            <a:picLocks noGrp="1" noChangeAspect="1"/>
-          </p:cNvPicPr>
-          <p:nvPr>
-            <p:ph sz="half" idx="1"/>
-          </p:nvPr>
-        </p:nvPicPr>
-        <p:blipFill>
-          <a:blip r:embed="rId2" cstate="print">
-            <a:extLst>
-              <a:ext uri="{28A0092B-C50C-407E-A947-70E740481C1C}">
-                <a14:useLocalDpi xmlns:a14="http://schemas.microsoft.com/office/drawing/2010/main" val="0"/>
-              </a:ext>
-            </a:extLst>
-          </a:blip>
-          <a:stretch>
-            <a:fillRect/>
-          </a:stretch>
-        </p:blipFill>
-        <p:spPr>
-          <a:xfrm>
-            <a:off x="838200" y="1845275"/>
-            <a:ext cx="5181600" cy="3455500"/>
-          </a:xfrm>
-        </p:spPr>
-      </p:pic>
-      <p:pic>
-        <p:nvPicPr>
-          <p:cNvPr id="5" name="Content Placeholder 4"/>
-          <p:cNvPicPr>
-            <a:picLocks noGrp="1" noChangeAspect="1"/>
-          </p:cNvPicPr>
-          <p:nvPr>
-            <p:ph sz="half" idx="2"/>
-          </p:nvPr>
-        </p:nvPicPr>
-        <p:blipFill>
-          <a:blip r:embed="rId3" cstate="print">
-            <a:extLst>
-              <a:ext uri="{28A0092B-C50C-407E-A947-70E740481C1C}">
-                <a14:useLocalDpi xmlns:a14="http://schemas.microsoft.com/office/drawing/2010/main" val="0"/>
-              </a:ext>
-            </a:extLst>
-          </a:blip>
-          <a:stretch>
-            <a:fillRect/>
-          </a:stretch>
-        </p:blipFill>
-        <p:spPr>
-          <a:xfrm>
-            <a:off x="9468090" y="365125"/>
-            <a:ext cx="868323" cy="868323"/>
-          </a:xfrm>
-        </p:spPr>
-      </p:pic>
-      <p:sp>
-        <p:nvSpPr>
-          <p:cNvPr id="8" name="Content Placeholder 6"/>
-          <p:cNvSpPr txBox="1">
-            <a:spLocks/>
-          </p:cNvSpPr>
-          <p:nvPr/>
-        </p:nvSpPr>
-        <p:spPr>
-          <a:xfrm>
-            <a:off x="6701742" y="1825625"/>
-            <a:ext cx="4652058" cy="4351338"/>
-          </a:xfrm>
-          <a:prstGeom prst="rect">
-            <a:avLst/>
-          </a:prstGeom>
-        </p:spPr>
-        <p:txBody>
-          <a:bodyPr vert="horz" lIns="91440" tIns="45720" rIns="91440" bIns="45720" rtlCol="0">
-            <a:normAutofit/>
-          </a:bodyPr>
-          <a:lstStyle>
-            <a:lvl1pPr marL="228600" indent="-228600" algn="l" defTabSz="914400" rtl="0" eaLnBrk="1" latinLnBrk="0" hangingPunct="1">
-              <a:lnSpc>
-                <a:spcPct val="90000"/>
-              </a:lnSpc>
-              <a:spcBef>
-                <a:spcPts val="1000"/>
-              </a:spcBef>
-              <a:buFont typeface="Arial" panose="020B0604020202020204" pitchFamily="34" charset="0"/>
-              <a:buChar char="•"/>
-              <a:defRPr sz="2800" kern="1200">
-                <a:solidFill>
-                  <a:schemeClr val="bg1"/>
-                </a:solidFill>
-                <a:latin typeface="+mn-lt"/>
-                <a:ea typeface="+mn-ea"/>
-                <a:cs typeface="+mn-cs"/>
-              </a:defRPr>
-            </a:lvl1pPr>
-            <a:lvl2pPr marL="685800" indent="-228600" algn="l" defTabSz="914400" rtl="0" eaLnBrk="1" latinLnBrk="0" hangingPunct="1">
-              <a:lnSpc>
-                <a:spcPct val="90000"/>
-              </a:lnSpc>
-              <a:spcBef>
-                <a:spcPts val="500"/>
-              </a:spcBef>
-              <a:buFont typeface="Arial" panose="020B0604020202020204" pitchFamily="34" charset="0"/>
-              <a:buChar char="•"/>
-              <a:defRPr sz="2400" kern="1200">
-                <a:solidFill>
-                  <a:schemeClr val="bg1"/>
-                </a:solidFill>
-                <a:latin typeface="+mn-lt"/>
-                <a:ea typeface="+mn-ea"/>
-                <a:cs typeface="+mn-cs"/>
-              </a:defRPr>
-            </a:lvl2pPr>
-            <a:lvl3pPr marL="1143000" indent="-228600" algn="l" defTabSz="914400" rtl="0" eaLnBrk="1" latinLnBrk="0" hangingPunct="1">
-              <a:lnSpc>
-                <a:spcPct val="90000"/>
-              </a:lnSpc>
-              <a:spcBef>
-                <a:spcPts val="500"/>
-              </a:spcBef>
-              <a:buFont typeface="Arial" panose="020B0604020202020204" pitchFamily="34" charset="0"/>
-              <a:buChar char="•"/>
-              <a:defRPr sz="2000" kern="1200">
-                <a:solidFill>
-                  <a:schemeClr val="bg1"/>
-                </a:solidFill>
-                <a:latin typeface="+mn-lt"/>
-                <a:ea typeface="+mn-ea"/>
-                <a:cs typeface="+mn-cs"/>
-              </a:defRPr>
-            </a:lvl3pPr>
-            <a:lvl4pPr marL="1600200" indent="-228600" algn="l" defTabSz="914400" rtl="0" eaLnBrk="1" latinLnBrk="0" hangingPunct="1">
-              <a:lnSpc>
-                <a:spcPct val="90000"/>
-              </a:lnSpc>
-              <a:spcBef>
-                <a:spcPts val="500"/>
-              </a:spcBef>
-              <a:buFont typeface="Arial" panose="020B0604020202020204" pitchFamily="34" charset="0"/>
-              <a:buChar char="•"/>
-              <a:defRPr sz="1800" kern="1200">
-                <a:solidFill>
-                  <a:schemeClr val="bg1"/>
-                </a:solidFill>
-                <a:latin typeface="+mn-lt"/>
-                <a:ea typeface="+mn-ea"/>
-                <a:cs typeface="+mn-cs"/>
-              </a:defRPr>
-            </a:lvl4pPr>
-            <a:lvl5pPr marL="2057400" indent="-228600" algn="l" defTabSz="914400" rtl="0" eaLnBrk="1" latinLnBrk="0" hangingPunct="1">
-              <a:lnSpc>
-                <a:spcPct val="90000"/>
-              </a:lnSpc>
-              <a:spcBef>
-                <a:spcPts val="500"/>
-              </a:spcBef>
-              <a:buFont typeface="Arial" panose="020B0604020202020204" pitchFamily="34" charset="0"/>
-              <a:buChar char="•"/>
-              <a:defRPr sz="1800" kern="1200">
-                <a:solidFill>
-                  <a:schemeClr val="bg1"/>
-                </a:solidFill>
-                <a:latin typeface="+mn-lt"/>
-                <a:ea typeface="+mn-ea"/>
-                <a:cs typeface="+mn-cs"/>
-              </a:defRPr>
-            </a:lvl5pPr>
-            <a:lvl6pPr marL="2514600" indent="-228600" algn="l" defTabSz="914400" rtl="0" eaLnBrk="1" latinLnBrk="0" hangingPunct="1">
-              <a:lnSpc>
-                <a:spcPct val="90000"/>
-              </a:lnSpc>
-              <a:spcBef>
-                <a:spcPts val="500"/>
-              </a:spcBef>
-              <a:buFont typeface="Arial" panose="020B0604020202020204" pitchFamily="34" charset="0"/>
-              <a:buChar char="•"/>
-              <a:defRPr sz="1800" kern="1200">
-                <a:solidFill>
-                  <a:schemeClr val="tx1"/>
-                </a:solidFill>
-                <a:latin typeface="+mn-lt"/>
-                <a:ea typeface="+mn-ea"/>
-                <a:cs typeface="+mn-cs"/>
-              </a:defRPr>
-            </a:lvl6pPr>
-            <a:lvl7pPr marL="2971800" indent="-228600" algn="l" defTabSz="914400" rtl="0" eaLnBrk="1" latinLnBrk="0" hangingPunct="1">
-              <a:lnSpc>
-                <a:spcPct val="90000"/>
-              </a:lnSpc>
-              <a:spcBef>
-                <a:spcPts val="500"/>
-              </a:spcBef>
-              <a:buFont typeface="Arial" panose="020B0604020202020204" pitchFamily="34" charset="0"/>
-              <a:buChar char="•"/>
-              <a:defRPr sz="1800" kern="1200">
-                <a:solidFill>
-                  <a:schemeClr val="tx1"/>
-                </a:solidFill>
-                <a:latin typeface="+mn-lt"/>
-                <a:ea typeface="+mn-ea"/>
-                <a:cs typeface="+mn-cs"/>
-              </a:defRPr>
-            </a:lvl7pPr>
-            <a:lvl8pPr marL="3429000" indent="-228600" algn="l" defTabSz="914400" rtl="0" eaLnBrk="1" latinLnBrk="0" hangingPunct="1">
-              <a:lnSpc>
-                <a:spcPct val="90000"/>
-              </a:lnSpc>
-              <a:spcBef>
-                <a:spcPts val="500"/>
-              </a:spcBef>
-              <a:buFont typeface="Arial" panose="020B0604020202020204" pitchFamily="34" charset="0"/>
-              <a:buChar char="•"/>
-              <a:defRPr sz="1800" kern="1200">
-                <a:solidFill>
-                  <a:schemeClr val="tx1"/>
-                </a:solidFill>
-                <a:latin typeface="+mn-lt"/>
-                <a:ea typeface="+mn-ea"/>
-                <a:cs typeface="+mn-cs"/>
-              </a:defRPr>
-            </a:lvl8pPr>
-            <a:lvl9pPr marL="3886200" indent="-228600" algn="l" defTabSz="914400" rtl="0" eaLnBrk="1" latinLnBrk="0" hangingPunct="1">
-              <a:lnSpc>
-                <a:spcPct val="90000"/>
-              </a:lnSpc>
-              <a:spcBef>
-                <a:spcPts val="500"/>
-              </a:spcBef>
-              <a:buFont typeface="Arial" panose="020B0604020202020204" pitchFamily="34" charset="0"/>
-              <a:buChar char="•"/>
-              <a:defRPr sz="1800" kern="1200">
-                <a:solidFill>
-                  <a:schemeClr val="tx1"/>
-                </a:solidFill>
-                <a:latin typeface="+mn-lt"/>
-                <a:ea typeface="+mn-ea"/>
-                <a:cs typeface="+mn-cs"/>
-              </a:defRPr>
-            </a:lvl9pPr>
-          </a:lstStyle>
-          <a:p>
-            <a:pPr marL="0" indent="0">
-              <a:buNone/>
-            </a:pPr>
-            <a:r>
-              <a:rPr lang="en-US" smtClean="0">
-                <a:solidFill>
-                  <a:srgbClr val="00B0F0"/>
-                </a:solidFill>
-              </a:rPr>
-              <a:t>A “design language”</a:t>
-            </a:r>
-          </a:p>
-          <a:p>
-            <a:pPr marL="0" indent="0">
-              <a:buNone/>
-            </a:pPr>
-            <a:endParaRPr lang="en-US" sz="1000" i="1" smtClean="0"/>
-          </a:p>
-          <a:p>
-            <a:pPr marL="0" indent="0">
-              <a:buNone/>
-            </a:pPr>
-            <a:r>
-              <a:rPr lang="en-US" i="1" smtClean="0"/>
-              <a:t>A </a:t>
-            </a:r>
-            <a:r>
-              <a:rPr lang="en-US" i="1">
-                <a:solidFill>
-                  <a:srgbClr val="FFC000"/>
-                </a:solidFill>
-              </a:rPr>
-              <a:t>design language</a:t>
-            </a:r>
-            <a:r>
-              <a:rPr lang="en-US" i="1"/>
-              <a:t> or </a:t>
-            </a:r>
-            <a:r>
-              <a:rPr lang="en-US" i="1">
-                <a:solidFill>
-                  <a:srgbClr val="FFC000"/>
-                </a:solidFill>
-              </a:rPr>
-              <a:t>design vocabulary</a:t>
-            </a:r>
-            <a:r>
-              <a:rPr lang="en-US" i="1"/>
-              <a:t> is an overarching scheme or style that guides the design of a complement of products or architectural settings</a:t>
-            </a:r>
-            <a:r>
-              <a:rPr lang="en-US" i="1" smtClean="0"/>
-              <a:t>.</a:t>
-            </a:r>
-          </a:p>
-          <a:p>
-            <a:pPr>
-              <a:buFontTx/>
-              <a:buChar char="-"/>
-            </a:pPr>
-            <a:r>
-              <a:rPr lang="en-US" i="1" smtClean="0"/>
-              <a:t>Wikipedia</a:t>
-            </a:r>
-          </a:p>
-          <a:p>
-            <a:pPr marL="0" indent="0">
-              <a:buNone/>
-            </a:pPr>
-            <a:endParaRPr lang="en-US" i="1"/>
-          </a:p>
-        </p:txBody>
-      </p:sp>
-    </p:spTree>
-    <p:extLst>
-      <p:ext uri="{BB962C8B-B14F-4D97-AF65-F5344CB8AC3E}">
-        <p14:creationId xmlns:p14="http://schemas.microsoft.com/office/powerpoint/2010/main" val="1653167014"/>
-      </p:ext>
-    </p:extLst>
-  </p:cSld>
-  <p:clrMapOvr>
-    <a:masterClrMapping/>
-  </p:clrMapOvr>
-  <p:timing>
-    <p:tnLst>
-      <p:par>
-        <p:cTn id="1" dur="indefinite" restart="never" nodeType="tmRoot"/>
-      </p:par>
-    </p:tnLst>
-  </p:timing>
-</p:sld>
-</file>
-
 <file path=ppt/slides/slide7.xml><?xml version="1.0" encoding="utf-8"?>
 <p:sld xmlns:a="http://schemas.openxmlformats.org/drawingml/2006/main" xmlns:r="http://schemas.openxmlformats.org/officeDocument/2006/relationships" xmlns:p="http://schemas.openxmlformats.org/presentationml/2006/main">
   <p:cSld>
@@ -9297,7 +8928,7 @@
         </p:blipFill>
         <p:spPr>
           <a:xfrm>
-            <a:off x="838200" y="2388735"/>
+            <a:off x="838200" y="1922010"/>
             <a:ext cx="4886325" cy="2924175"/>
           </a:xfrm>
           <a:prstGeom prst="rect">
@@ -9680,13 +9311,34 @@
           <a:p>
             <a:r>
               <a:rPr lang="en-US" smtClean="0"/>
-              <a:t>Date functions</a:t>
-            </a:r>
-          </a:p>
-          <a:p>
-            <a:r>
-              <a:rPr lang="en-US" smtClean="0"/>
-              <a:t>Light weight</a:t>
+              <a:t>JavaScript programmers need help with dates</a:t>
+            </a:r>
+          </a:p>
+          <a:p>
+            <a:r>
+              <a:rPr lang="en-US" smtClean="0"/>
+              <a:t>Date </a:t>
+            </a:r>
+            <a:r>
+              <a:rPr lang="en-US" smtClean="0"/>
+              <a:t>functions</a:t>
+            </a:r>
+          </a:p>
+          <a:p>
+            <a:r>
+              <a:rPr lang="en-US" smtClean="0"/>
+              <a:t>Light </a:t>
+            </a:r>
+            <a:r>
+              <a:rPr lang="en-US" smtClean="0"/>
+              <a:t>weight</a:t>
+            </a:r>
+          </a:p>
+          <a:p>
+            <a:pPr lvl="1"/>
+            <a:r>
+              <a:rPr lang="en-US" smtClean="0"/>
+              <a:t>Moment</a:t>
             </a:r>
             <a:endParaRPr lang="en-US"/>
           </a:p>
